--- a/assets/presentation/Teach Thru Talk  Presentation.pptx
+++ b/assets/presentation/Teach Thru Talk  Presentation.pptx
@@ -8103,7 +8103,7 @@
                   <a:schemeClr val="tx1"/>
                 </a:solidFill>
               </a:rPr>
-              <a:t>Teach Thru Talk is where these three opportunities converge.</a:t>
+              <a:t>Teach Thru Talk is where these three opportunities converge!</a:t>
             </a:r>
             <a:endParaRPr sz="2000" dirty="0">
               <a:solidFill>
@@ -8780,12 +8780,20 @@
               <a:buChar char="●"/>
             </a:pPr>
             <a:r>
+              <a:rPr lang="en">
+                <a:solidFill>
+                  <a:schemeClr val="tx1"/>
+                </a:solidFill>
+              </a:rPr>
+              <a:t>Our </a:t>
+            </a:r>
+            <a:r>
               <a:rPr lang="en" dirty="0">
                 <a:solidFill>
                   <a:schemeClr val="tx1"/>
                 </a:solidFill>
               </a:rPr>
-              <a:t> Our app was deployed to Heroku, utilizes </a:t>
+              <a:t>app was deployed to Heroku, utilizes </a:t>
             </a:r>
             <a:r>
               <a:rPr lang="en" dirty="0" err="1">
@@ -8862,7 +8870,7 @@
                   <a:schemeClr val="tx1"/>
                 </a:solidFill>
               </a:rPr>
-              <a:t>Our team worked on all different aspects of code,  with their respective snippets of code being share via commits to a shared </a:t>
+              <a:t>Our team worked on all different aspects of code, with their respective snippets of code being share via commits to a shared </a:t>
             </a:r>
             <a:r>
               <a:rPr lang="en-CA" dirty="0" err="1">

--- a/assets/presentation/Teach Thru Talk  Presentation.pptx
+++ b/assets/presentation/Teach Thru Talk  Presentation.pptx
@@ -8780,20 +8780,12 @@
               <a:buChar char="●"/>
             </a:pPr>
             <a:r>
-              <a:rPr lang="en">
-                <a:solidFill>
-                  <a:schemeClr val="tx1"/>
-                </a:solidFill>
-              </a:rPr>
-              <a:t>Our </a:t>
-            </a:r>
-            <a:r>
               <a:rPr lang="en" dirty="0">
                 <a:solidFill>
                   <a:schemeClr val="tx1"/>
                 </a:solidFill>
               </a:rPr>
-              <a:t>app was deployed to Heroku, utilizes </a:t>
+              <a:t>Our app was deployed to Heroku, utilizes </a:t>
             </a:r>
             <a:r>
               <a:rPr lang="en" dirty="0" err="1">
@@ -8870,7 +8862,7 @@
                   <a:schemeClr val="tx1"/>
                 </a:solidFill>
               </a:rPr>
-              <a:t>Our team worked on all different aspects of code, with their respective snippets of code being share via commits to a shared </a:t>
+              <a:t>Our team worked on all different aspects of code, with their respective snippets of code being shared via commits to a shared </a:t>
             </a:r>
             <a:r>
               <a:rPr lang="en-CA" dirty="0" err="1">

--- a/assets/presentation/Teach Thru Talk  Presentation.pptx
+++ b/assets/presentation/Teach Thru Talk  Presentation.pptx
@@ -10558,7 +10558,23 @@
                   <a:schemeClr val="tx1"/>
                 </a:solidFill>
               </a:rPr>
-              <a:t>We plan to be able to set a default language for each individual user on signup, store that information, and translate render the website  in their preferred language every time they log in (using cookies). </a:t>
+              <a:t>We plan to be able to set a default language for each individual user on signup, store that information, and translate render the </a:t>
+            </a:r>
+            <a:r>
+              <a:rPr lang="en-CA">
+                <a:solidFill>
+                  <a:schemeClr val="tx1"/>
+                </a:solidFill>
+              </a:rPr>
+              <a:t>website in </a:t>
+            </a:r>
+            <a:r>
+              <a:rPr lang="en-CA" dirty="0">
+                <a:solidFill>
+                  <a:schemeClr val="tx1"/>
+                </a:solidFill>
+              </a:rPr>
+              <a:t>their preferred language every time they log in (using cookies). </a:t>
             </a:r>
           </a:p>
           <a:p>

--- a/assets/presentation/Teach Thru Talk  Presentation.pptx
+++ b/assets/presentation/Teach Thru Talk  Presentation.pptx
@@ -10558,7 +10558,7 @@
                   <a:schemeClr val="tx1"/>
                 </a:solidFill>
               </a:rPr>
-              <a:t>We plan to be able to set a default language for each individual user on signup, store that information, and translate render the </a:t>
+              <a:t>We plan to be able to set a default language for each individual user on signup, store that information, and </a:t>
             </a:r>
             <a:r>
               <a:rPr lang="en-CA">
@@ -10566,7 +10566,7 @@
                   <a:schemeClr val="tx1"/>
                 </a:solidFill>
               </a:rPr>
-              <a:t>website in </a:t>
+              <a:t>translate then render </a:t>
             </a:r>
             <a:r>
               <a:rPr lang="en-CA" dirty="0">
@@ -10574,7 +10574,7 @@
                   <a:schemeClr val="tx1"/>
                 </a:solidFill>
               </a:rPr>
-              <a:t>their preferred language every time they log in (using cookies). </a:t>
+              <a:t>the website in their preferred language every time they log in (using cookies). </a:t>
             </a:r>
           </a:p>
           <a:p>
